--- a/docs/diagrams/ModelComponentClassDiagram.pptx
+++ b/docs/diagrams/ModelComponentClassDiagram.pptx
@@ -175,7 +175,7 @@
             </a:lvl1pPr>
           </a:lstStyle>
           <a:p>
-            <a:endParaRPr lang="en-US"/>
+            <a:endParaRPr lang="en-US" dirty="0"/>
           </a:p>
         </p:txBody>
       </p:sp>
@@ -208,9 +208,9 @@
           <a:p>
             <a:fld id="{F5CC4B3F-88C1-4FFA-B1B6-F41C21DC6924}" type="datetimeFigureOut">
               <a:rPr lang="en-US" smtClean="0"/>
-              <a:t>12/5/2018</a:t>
+              <a:t>4/14/2019</a:t>
             </a:fld>
-            <a:endParaRPr lang="en-US"/>
+            <a:endParaRPr lang="en-US" dirty="0"/>
           </a:p>
         </p:txBody>
       </p:sp>
@@ -243,7 +243,7 @@
           <a:bodyPr vert="horz" lIns="91440" tIns="45720" rIns="91440" bIns="45720" rtlCol="0" anchor="ctr"/>
           <a:lstStyle/>
           <a:p>
-            <a:endParaRPr lang="en-US"/>
+            <a:endParaRPr lang="en-US" dirty="0"/>
           </a:p>
         </p:txBody>
       </p:sp>
@@ -333,7 +333,7 @@
             </a:lvl1pPr>
           </a:lstStyle>
           <a:p>
-            <a:endParaRPr lang="en-US"/>
+            <a:endParaRPr lang="en-US" dirty="0"/>
           </a:p>
         </p:txBody>
       </p:sp>
@@ -368,7 +368,7 @@
               <a:rPr lang="en-US" smtClean="0"/>
               <a:t>‹#›</a:t>
             </a:fld>
-            <a:endParaRPr lang="en-US"/>
+            <a:endParaRPr lang="en-US" dirty="0"/>
           </a:p>
         </p:txBody>
       </p:sp>
@@ -654,9 +654,9 @@
           <a:p>
             <a:fld id="{78C97017-6FC3-485B-9764-EAC9E56C1D49}" type="datetimeFigureOut">
               <a:rPr lang="en-US" smtClean="0"/>
-              <a:t>12/5/2018</a:t>
+              <a:t>4/14/2019</a:t>
             </a:fld>
-            <a:endParaRPr lang="en-US"/>
+            <a:endParaRPr lang="en-US" dirty="0"/>
           </a:p>
         </p:txBody>
       </p:sp>
@@ -675,7 +675,7 @@
           <a:bodyPr/>
           <a:lstStyle/>
           <a:p>
-            <a:endParaRPr lang="en-US"/>
+            <a:endParaRPr lang="en-US" dirty="0"/>
           </a:p>
         </p:txBody>
       </p:sp>
@@ -698,7 +698,7 @@
               <a:rPr lang="en-US" smtClean="0"/>
               <a:t>‹#›</a:t>
             </a:fld>
-            <a:endParaRPr lang="en-US"/>
+            <a:endParaRPr lang="en-US" dirty="0"/>
           </a:p>
         </p:txBody>
       </p:sp>
@@ -822,9 +822,9 @@
           <a:p>
             <a:fld id="{78C97017-6FC3-485B-9764-EAC9E56C1D49}" type="datetimeFigureOut">
               <a:rPr lang="en-US" smtClean="0"/>
-              <a:t>12/5/2018</a:t>
+              <a:t>4/14/2019</a:t>
             </a:fld>
-            <a:endParaRPr lang="en-US"/>
+            <a:endParaRPr lang="en-US" dirty="0"/>
           </a:p>
         </p:txBody>
       </p:sp>
@@ -843,7 +843,7 @@
           <a:bodyPr/>
           <a:lstStyle/>
           <a:p>
-            <a:endParaRPr lang="en-US"/>
+            <a:endParaRPr lang="en-US" dirty="0"/>
           </a:p>
         </p:txBody>
       </p:sp>
@@ -866,7 +866,7 @@
               <a:rPr lang="en-US" smtClean="0"/>
               <a:t>‹#›</a:t>
             </a:fld>
-            <a:endParaRPr lang="en-US"/>
+            <a:endParaRPr lang="en-US" dirty="0"/>
           </a:p>
         </p:txBody>
       </p:sp>
@@ -1000,9 +1000,9 @@
           <a:p>
             <a:fld id="{78C97017-6FC3-485B-9764-EAC9E56C1D49}" type="datetimeFigureOut">
               <a:rPr lang="en-US" smtClean="0"/>
-              <a:t>12/5/2018</a:t>
+              <a:t>4/14/2019</a:t>
             </a:fld>
-            <a:endParaRPr lang="en-US"/>
+            <a:endParaRPr lang="en-US" dirty="0"/>
           </a:p>
         </p:txBody>
       </p:sp>
@@ -1021,7 +1021,7 @@
           <a:bodyPr/>
           <a:lstStyle/>
           <a:p>
-            <a:endParaRPr lang="en-US"/>
+            <a:endParaRPr lang="en-US" dirty="0"/>
           </a:p>
         </p:txBody>
       </p:sp>
@@ -1044,7 +1044,7 @@
               <a:rPr lang="en-US" smtClean="0"/>
               <a:t>‹#›</a:t>
             </a:fld>
-            <a:endParaRPr lang="en-US"/>
+            <a:endParaRPr lang="en-US" dirty="0"/>
           </a:p>
         </p:txBody>
       </p:sp>
@@ -1168,9 +1168,9 @@
           <a:p>
             <a:fld id="{78C97017-6FC3-485B-9764-EAC9E56C1D49}" type="datetimeFigureOut">
               <a:rPr lang="en-US" smtClean="0"/>
-              <a:t>12/5/2018</a:t>
+              <a:t>4/14/2019</a:t>
             </a:fld>
-            <a:endParaRPr lang="en-US"/>
+            <a:endParaRPr lang="en-US" dirty="0"/>
           </a:p>
         </p:txBody>
       </p:sp>
@@ -1189,7 +1189,7 @@
           <a:bodyPr/>
           <a:lstStyle/>
           <a:p>
-            <a:endParaRPr lang="en-US"/>
+            <a:endParaRPr lang="en-US" dirty="0"/>
           </a:p>
         </p:txBody>
       </p:sp>
@@ -1212,7 +1212,7 @@
               <a:rPr lang="en-US" smtClean="0"/>
               <a:t>‹#›</a:t>
             </a:fld>
-            <a:endParaRPr lang="en-US"/>
+            <a:endParaRPr lang="en-US" dirty="0"/>
           </a:p>
         </p:txBody>
       </p:sp>
@@ -1413,9 +1413,9 @@
           <a:p>
             <a:fld id="{78C97017-6FC3-485B-9764-EAC9E56C1D49}" type="datetimeFigureOut">
               <a:rPr lang="en-US" smtClean="0"/>
-              <a:t>12/5/2018</a:t>
+              <a:t>4/14/2019</a:t>
             </a:fld>
-            <a:endParaRPr lang="en-US"/>
+            <a:endParaRPr lang="en-US" dirty="0"/>
           </a:p>
         </p:txBody>
       </p:sp>
@@ -1434,7 +1434,7 @@
           <a:bodyPr/>
           <a:lstStyle/>
           <a:p>
-            <a:endParaRPr lang="en-US"/>
+            <a:endParaRPr lang="en-US" dirty="0"/>
           </a:p>
         </p:txBody>
       </p:sp>
@@ -1457,7 +1457,7 @@
               <a:rPr lang="en-US" smtClean="0"/>
               <a:t>‹#›</a:t>
             </a:fld>
-            <a:endParaRPr lang="en-US"/>
+            <a:endParaRPr lang="en-US" dirty="0"/>
           </a:p>
         </p:txBody>
       </p:sp>
@@ -1698,9 +1698,9 @@
           <a:p>
             <a:fld id="{78C97017-6FC3-485B-9764-EAC9E56C1D49}" type="datetimeFigureOut">
               <a:rPr lang="en-US" smtClean="0"/>
-              <a:t>12/5/2018</a:t>
+              <a:t>4/14/2019</a:t>
             </a:fld>
-            <a:endParaRPr lang="en-US"/>
+            <a:endParaRPr lang="en-US" dirty="0"/>
           </a:p>
         </p:txBody>
       </p:sp>
@@ -1719,7 +1719,7 @@
           <a:bodyPr/>
           <a:lstStyle/>
           <a:p>
-            <a:endParaRPr lang="en-US"/>
+            <a:endParaRPr lang="en-US" dirty="0"/>
           </a:p>
         </p:txBody>
       </p:sp>
@@ -1742,7 +1742,7 @@
               <a:rPr lang="en-US" smtClean="0"/>
               <a:t>‹#›</a:t>
             </a:fld>
-            <a:endParaRPr lang="en-US"/>
+            <a:endParaRPr lang="en-US" dirty="0"/>
           </a:p>
         </p:txBody>
       </p:sp>
@@ -2117,9 +2117,9 @@
           <a:p>
             <a:fld id="{78C97017-6FC3-485B-9764-EAC9E56C1D49}" type="datetimeFigureOut">
               <a:rPr lang="en-US" smtClean="0"/>
-              <a:t>12/5/2018</a:t>
+              <a:t>4/14/2019</a:t>
             </a:fld>
-            <a:endParaRPr lang="en-US"/>
+            <a:endParaRPr lang="en-US" dirty="0"/>
           </a:p>
         </p:txBody>
       </p:sp>
@@ -2138,7 +2138,7 @@
           <a:bodyPr/>
           <a:lstStyle/>
           <a:p>
-            <a:endParaRPr lang="en-US"/>
+            <a:endParaRPr lang="en-US" dirty="0"/>
           </a:p>
         </p:txBody>
       </p:sp>
@@ -2161,7 +2161,7 @@
               <a:rPr lang="en-US" smtClean="0"/>
               <a:t>‹#›</a:t>
             </a:fld>
-            <a:endParaRPr lang="en-US"/>
+            <a:endParaRPr lang="en-US" dirty="0"/>
           </a:p>
         </p:txBody>
       </p:sp>
@@ -2234,9 +2234,9 @@
           <a:p>
             <a:fld id="{78C97017-6FC3-485B-9764-EAC9E56C1D49}" type="datetimeFigureOut">
               <a:rPr lang="en-US" smtClean="0"/>
-              <a:t>12/5/2018</a:t>
+              <a:t>4/14/2019</a:t>
             </a:fld>
-            <a:endParaRPr lang="en-US"/>
+            <a:endParaRPr lang="en-US" dirty="0"/>
           </a:p>
         </p:txBody>
       </p:sp>
@@ -2255,7 +2255,7 @@
           <a:bodyPr/>
           <a:lstStyle/>
           <a:p>
-            <a:endParaRPr lang="en-US"/>
+            <a:endParaRPr lang="en-US" dirty="0"/>
           </a:p>
         </p:txBody>
       </p:sp>
@@ -2278,7 +2278,7 @@
               <a:rPr lang="en-US" smtClean="0"/>
               <a:t>‹#›</a:t>
             </a:fld>
-            <a:endParaRPr lang="en-US"/>
+            <a:endParaRPr lang="en-US" dirty="0"/>
           </a:p>
         </p:txBody>
       </p:sp>
@@ -2329,9 +2329,9 @@
           <a:p>
             <a:fld id="{78C97017-6FC3-485B-9764-EAC9E56C1D49}" type="datetimeFigureOut">
               <a:rPr lang="en-US" smtClean="0"/>
-              <a:t>12/5/2018</a:t>
+              <a:t>4/14/2019</a:t>
             </a:fld>
-            <a:endParaRPr lang="en-US"/>
+            <a:endParaRPr lang="en-US" dirty="0"/>
           </a:p>
         </p:txBody>
       </p:sp>
@@ -2350,7 +2350,7 @@
           <a:bodyPr/>
           <a:lstStyle/>
           <a:p>
-            <a:endParaRPr lang="en-US"/>
+            <a:endParaRPr lang="en-US" dirty="0"/>
           </a:p>
         </p:txBody>
       </p:sp>
@@ -2373,7 +2373,7 @@
               <a:rPr lang="en-US" smtClean="0"/>
               <a:t>‹#›</a:t>
             </a:fld>
-            <a:endParaRPr lang="en-US"/>
+            <a:endParaRPr lang="en-US" dirty="0"/>
           </a:p>
         </p:txBody>
       </p:sp>
@@ -2604,9 +2604,9 @@
           <a:p>
             <a:fld id="{78C97017-6FC3-485B-9764-EAC9E56C1D49}" type="datetimeFigureOut">
               <a:rPr lang="en-US" smtClean="0"/>
-              <a:t>12/5/2018</a:t>
+              <a:t>4/14/2019</a:t>
             </a:fld>
-            <a:endParaRPr lang="en-US"/>
+            <a:endParaRPr lang="en-US" dirty="0"/>
           </a:p>
         </p:txBody>
       </p:sp>
@@ -2625,7 +2625,7 @@
           <a:bodyPr/>
           <a:lstStyle/>
           <a:p>
-            <a:endParaRPr lang="en-US"/>
+            <a:endParaRPr lang="en-US" dirty="0"/>
           </a:p>
         </p:txBody>
       </p:sp>
@@ -2648,7 +2648,7 @@
               <a:rPr lang="en-US" smtClean="0"/>
               <a:t>‹#›</a:t>
             </a:fld>
-            <a:endParaRPr lang="en-US"/>
+            <a:endParaRPr lang="en-US" dirty="0"/>
           </a:p>
         </p:txBody>
       </p:sp>
@@ -2770,7 +2770,7 @@
             </a:lvl9pPr>
           </a:lstStyle>
           <a:p>
-            <a:endParaRPr lang="en-US"/>
+            <a:endParaRPr lang="en-US" dirty="0"/>
           </a:p>
         </p:txBody>
       </p:sp>
@@ -2856,9 +2856,9 @@
           <a:p>
             <a:fld id="{78C97017-6FC3-485B-9764-EAC9E56C1D49}" type="datetimeFigureOut">
               <a:rPr lang="en-US" smtClean="0"/>
-              <a:t>12/5/2018</a:t>
+              <a:t>4/14/2019</a:t>
             </a:fld>
-            <a:endParaRPr lang="en-US"/>
+            <a:endParaRPr lang="en-US" dirty="0"/>
           </a:p>
         </p:txBody>
       </p:sp>
@@ -2877,7 +2877,7 @@
           <a:bodyPr/>
           <a:lstStyle/>
           <a:p>
-            <a:endParaRPr lang="en-US"/>
+            <a:endParaRPr lang="en-US" dirty="0"/>
           </a:p>
         </p:txBody>
       </p:sp>
@@ -2900,7 +2900,7 @@
               <a:rPr lang="en-US" smtClean="0"/>
               <a:t>‹#›</a:t>
             </a:fld>
-            <a:endParaRPr lang="en-US"/>
+            <a:endParaRPr lang="en-US" dirty="0"/>
           </a:p>
         </p:txBody>
       </p:sp>
@@ -3067,9 +3067,9 @@
           <a:p>
             <a:fld id="{78C97017-6FC3-485B-9764-EAC9E56C1D49}" type="datetimeFigureOut">
               <a:rPr lang="en-US" smtClean="0"/>
-              <a:t>12/5/2018</a:t>
+              <a:t>4/14/2019</a:t>
             </a:fld>
-            <a:endParaRPr lang="en-US"/>
+            <a:endParaRPr lang="en-US" dirty="0"/>
           </a:p>
         </p:txBody>
       </p:sp>
@@ -3106,7 +3106,7 @@
             </a:lvl1pPr>
           </a:lstStyle>
           <a:p>
-            <a:endParaRPr lang="en-US"/>
+            <a:endParaRPr lang="en-US" dirty="0"/>
           </a:p>
         </p:txBody>
       </p:sp>
@@ -3147,7 +3147,7 @@
               <a:rPr lang="en-US" smtClean="0"/>
               <a:t>‹#›</a:t>
             </a:fld>
-            <a:endParaRPr lang="en-US"/>
+            <a:endParaRPr lang="en-US" dirty="0"/>
           </a:p>
         </p:txBody>
       </p:sp>
@@ -3450,8 +3450,8 @@
         </p:nvSpPr>
         <p:spPr>
           <a:xfrm>
-            <a:off x="1119865" y="1600200"/>
-            <a:ext cx="7490735" cy="3124200"/>
+            <a:off x="35364" y="1651726"/>
+            <a:ext cx="9073271" cy="3291629"/>
           </a:xfrm>
           <a:prstGeom prst="roundRect">
             <a:avLst>
@@ -3511,7 +3511,7 @@
         </p:nvSpPr>
         <p:spPr>
           <a:xfrm>
-            <a:off x="2825280" y="3463240"/>
+            <a:off x="2079373" y="3455589"/>
             <a:ext cx="878211" cy="346760"/>
           </a:xfrm>
           <a:prstGeom prst="rect">
@@ -3544,7 +3544,7 @@
           <a:p>
             <a:pPr algn="ctr"/>
             <a:r>
-              <a:rPr lang="en-US" sz="1050" dirty="0" err="1">
+              <a:rPr lang="en-US" sz="1050" dirty="0">
                 <a:solidFill>
                   <a:srgbClr val="7030A0"/>
                 </a:solidFill>
@@ -3567,7 +3567,7 @@
         </p:nvSpPr>
         <p:spPr>
           <a:xfrm rot="16200000">
-            <a:off x="1661548" y="3097750"/>
+            <a:off x="915641" y="3090099"/>
             <a:ext cx="1093635" cy="346760"/>
           </a:xfrm>
           <a:prstGeom prst="rect">
@@ -3603,7 +3603,7 @@
           <a:p>
             <a:pPr algn="ctr"/>
             <a:r>
-              <a:rPr lang="en-US" sz="1050" dirty="0" err="1">
+              <a:rPr lang="en-US" sz="1050" dirty="0">
                 <a:solidFill>
                   <a:schemeClr val="bg1"/>
                 </a:solidFill>
@@ -3630,7 +3630,7 @@
         </p:nvCxnSpPr>
         <p:spPr>
           <a:xfrm rot="5400000" flipH="1" flipV="1">
-            <a:off x="4131507" y="1281685"/>
+            <a:off x="3385600" y="1274034"/>
             <a:ext cx="613122" cy="4459404"/>
           </a:xfrm>
           <a:prstGeom prst="bentConnector3">
@@ -3671,7 +3671,7 @@
         </p:nvSpPr>
         <p:spPr>
           <a:xfrm rot="16200000">
-            <a:off x="956202" y="2861202"/>
+            <a:off x="210295" y="2853551"/>
             <a:ext cx="1093635" cy="346760"/>
           </a:xfrm>
           <a:prstGeom prst="rect">
@@ -3741,7 +3741,7 @@
         </p:nvSpPr>
         <p:spPr>
           <a:xfrm rot="16200000">
-            <a:off x="1626910" y="2952291"/>
+            <a:off x="881003" y="2944640"/>
             <a:ext cx="270504" cy="175523"/>
           </a:xfrm>
           <a:prstGeom prst="triangle">
@@ -3776,7 +3776,7 @@
           <a:lstStyle/>
           <a:p>
             <a:pPr algn="ctr"/>
-            <a:endParaRPr lang="en-SG" sz="1050"/>
+            <a:endParaRPr lang="en-SG" sz="1050" dirty="0"/>
           </a:p>
         </p:txBody>
       </p:sp>
@@ -3792,7 +3792,7 @@
         </p:nvCxnSpPr>
         <p:spPr>
           <a:xfrm>
-            <a:off x="2609828" y="3636620"/>
+            <a:off x="1863921" y="3628969"/>
             <a:ext cx="215452" cy="0"/>
           </a:xfrm>
           <a:prstGeom prst="straightConnector1">
@@ -3830,7 +3830,7 @@
         </p:nvCxnSpPr>
         <p:spPr>
           <a:xfrm>
-            <a:off x="910091" y="3040053"/>
+            <a:off x="164184" y="3032402"/>
             <a:ext cx="419548" cy="2860"/>
           </a:xfrm>
           <a:prstGeom prst="bentConnector3">
@@ -3875,7 +3875,7 @@
         </p:nvCxnSpPr>
         <p:spPr>
           <a:xfrm flipV="1">
-            <a:off x="1849924" y="3040052"/>
+            <a:off x="1104017" y="3032401"/>
             <a:ext cx="216105" cy="1"/>
           </a:xfrm>
           <a:prstGeom prst="line">
@@ -3914,7 +3914,7 @@
         </p:nvSpPr>
         <p:spPr>
           <a:xfrm>
-            <a:off x="2373780" y="3549930"/>
+            <a:off x="1627873" y="3542279"/>
             <a:ext cx="236048" cy="173380"/>
           </a:xfrm>
           <a:prstGeom prst="flowChartDecision">
@@ -3947,7 +3947,7 @@
           <a:lstStyle/>
           <a:p>
             <a:pPr algn="ctr"/>
-            <a:endParaRPr lang="en-US" sz="1050"/>
+            <a:endParaRPr lang="en-US" sz="1050" dirty="0"/>
           </a:p>
         </p:txBody>
       </p:sp>
@@ -3959,7 +3959,7 @@
         </p:nvSpPr>
         <p:spPr>
           <a:xfrm>
-            <a:off x="2825280" y="2846162"/>
+            <a:off x="2079373" y="2838511"/>
             <a:ext cx="1490560" cy="334856"/>
           </a:xfrm>
           <a:prstGeom prst="rect">
@@ -3992,12 +3992,12 @@
           <a:p>
             <a:pPr algn="ctr"/>
             <a:r>
-              <a:rPr lang="en-US" sz="1050" dirty="0" err="1">
+              <a:rPr lang="en-US" sz="1050" dirty="0">
                 <a:solidFill>
                   <a:srgbClr val="7030A0"/>
                 </a:solidFill>
               </a:rPr>
-              <a:t>VersionedAddressBook</a:t>
+              <a:t>VersionedEPiggy</a:t>
             </a:r>
             <a:endParaRPr lang="en-SG" sz="1050" dirty="0">
               <a:solidFill>
@@ -4018,7 +4018,7 @@
         </p:nvCxnSpPr>
         <p:spPr>
           <a:xfrm>
-            <a:off x="2624360" y="3003033"/>
+            <a:off x="1878453" y="2995382"/>
             <a:ext cx="200920" cy="10557"/>
           </a:xfrm>
           <a:prstGeom prst="straightConnector1">
@@ -4056,7 +4056,7 @@
         </p:nvSpPr>
         <p:spPr>
           <a:xfrm>
-            <a:off x="2388312" y="2916343"/>
+            <a:off x="1642405" y="2908692"/>
             <a:ext cx="236048" cy="173380"/>
           </a:xfrm>
           <a:prstGeom prst="flowChartDecision">
@@ -4089,7 +4089,7 @@
           <a:lstStyle/>
           <a:p>
             <a:pPr algn="ctr"/>
-            <a:endParaRPr lang="en-US" sz="1050"/>
+            <a:endParaRPr lang="en-US" sz="1050" dirty="0"/>
           </a:p>
         </p:txBody>
       </p:sp>
@@ -4101,7 +4101,7 @@
         </p:nvSpPr>
         <p:spPr>
           <a:xfrm>
-            <a:off x="4692650" y="2846162"/>
+            <a:off x="4006454" y="2838511"/>
             <a:ext cx="1156969" cy="346760"/>
           </a:xfrm>
           <a:prstGeom prst="rect">
@@ -4134,12 +4134,12 @@
           <a:p>
             <a:pPr algn="ctr"/>
             <a:r>
-              <a:rPr lang="en-US" sz="1050" dirty="0" err="1">
+              <a:rPr lang="en-US" sz="1050" dirty="0">
                 <a:solidFill>
                   <a:srgbClr val="7030A0"/>
                 </a:solidFill>
               </a:rPr>
-              <a:t>UniquePersonList</a:t>
+              <a:t>ExpenseList</a:t>
             </a:r>
             <a:endParaRPr lang="en-SG" sz="1050" dirty="0">
               <a:solidFill>
@@ -4157,7 +4157,7 @@
         </p:nvSpPr>
         <p:spPr>
           <a:xfrm>
-            <a:off x="4324972" y="2920532"/>
+            <a:off x="3579065" y="2912881"/>
             <a:ext cx="236048" cy="173380"/>
           </a:xfrm>
           <a:prstGeom prst="flowChartDecision">
@@ -4192,7 +4192,7 @@
           <a:lstStyle/>
           <a:p>
             <a:pPr algn="ctr"/>
-            <a:endParaRPr lang="en-US" sz="1050"/>
+            <a:endParaRPr lang="en-US" sz="1050" dirty="0"/>
           </a:p>
         </p:txBody>
       </p:sp>
@@ -4204,7 +4204,7 @@
         </p:nvSpPr>
         <p:spPr>
           <a:xfrm>
-            <a:off x="6313677" y="2858066"/>
+            <a:off x="5567770" y="2850415"/>
             <a:ext cx="708186" cy="346760"/>
           </a:xfrm>
           <a:prstGeom prst="rect">
@@ -4242,7 +4242,7 @@
                   <a:srgbClr val="7030A0"/>
                 </a:solidFill>
               </a:rPr>
-              <a:t>Person</a:t>
+              <a:t>Expense</a:t>
             </a:r>
             <a:endParaRPr lang="en-SG" sz="1050" dirty="0">
               <a:solidFill>
@@ -4260,7 +4260,7 @@
         </p:nvSpPr>
         <p:spPr>
           <a:xfrm>
-            <a:off x="5858751" y="2941676"/>
+            <a:off x="5157558" y="2939437"/>
             <a:ext cx="236048" cy="173380"/>
           </a:xfrm>
           <a:prstGeom prst="flowChartDecision">
@@ -4293,7 +4293,7 @@
           <a:lstStyle/>
           <a:p>
             <a:pPr algn="ctr"/>
-            <a:endParaRPr lang="en-US" sz="1050"/>
+            <a:endParaRPr lang="en-US" sz="1050" dirty="0"/>
           </a:p>
         </p:txBody>
       </p:sp>
@@ -4307,9 +4307,9 @@
           <p:nvPr/>
         </p:nvCxnSpPr>
         <p:spPr>
-          <a:xfrm>
-            <a:off x="6094799" y="3028366"/>
-            <a:ext cx="218878" cy="3080"/>
+          <a:xfrm flipV="1">
+            <a:off x="5393606" y="3023795"/>
+            <a:ext cx="174164" cy="2332"/>
           </a:xfrm>
           <a:prstGeom prst="bentConnector3">
             <a:avLst/>
@@ -4346,7 +4346,7 @@
         </p:nvSpPr>
         <p:spPr>
           <a:xfrm>
-            <a:off x="7712397" y="2564238"/>
+            <a:off x="6966490" y="2552728"/>
             <a:ext cx="708186" cy="285783"/>
           </a:xfrm>
           <a:prstGeom prst="rect">
@@ -4384,7 +4384,7 @@
                   <a:srgbClr val="7030A0"/>
                 </a:solidFill>
               </a:rPr>
-              <a:t>Name</a:t>
+              <a:t>Item</a:t>
             </a:r>
             <a:endParaRPr lang="en-SG" sz="1050" dirty="0">
               <a:solidFill>
@@ -4402,7 +4402,7 @@
         </p:nvSpPr>
         <p:spPr>
           <a:xfrm>
-            <a:off x="7041947" y="2948201"/>
+            <a:off x="6296040" y="2940550"/>
             <a:ext cx="236048" cy="173380"/>
           </a:xfrm>
           <a:prstGeom prst="flowChartDecision">
@@ -4437,7 +4437,7 @@
           <a:lstStyle/>
           <a:p>
             <a:pPr algn="ctr"/>
-            <a:endParaRPr lang="en-US" sz="1050"/>
+            <a:endParaRPr lang="en-US" sz="1050" dirty="0"/>
           </a:p>
         </p:txBody>
       </p:sp>
@@ -4451,7 +4451,7 @@
         </p:nvCxnSpPr>
         <p:spPr>
           <a:xfrm flipV="1">
-            <a:off x="7277995" y="2706821"/>
+            <a:off x="6532088" y="2699479"/>
             <a:ext cx="434402" cy="327761"/>
           </a:xfrm>
           <a:prstGeom prst="bentConnector3">
@@ -4489,7 +4489,7 @@
         </p:nvSpPr>
         <p:spPr>
           <a:xfrm>
-            <a:off x="7712397" y="2887216"/>
+            <a:off x="6966490" y="3154649"/>
             <a:ext cx="708186" cy="285783"/>
           </a:xfrm>
           <a:prstGeom prst="rect">
@@ -4527,7 +4527,7 @@
                   <a:srgbClr val="7030A0"/>
                 </a:solidFill>
               </a:rPr>
-              <a:t>Phone</a:t>
+              <a:t>Date</a:t>
             </a:r>
             <a:endParaRPr lang="en-SG" sz="1050" dirty="0">
               <a:solidFill>
@@ -4541,209 +4541,16 @@
         <p:nvCxnSpPr>
           <p:cNvPr id="81" name="Elbow Connector 80"/>
           <p:cNvCxnSpPr>
+            <a:cxnSpLocks/>
             <a:stCxn id="78" idx="3"/>
             <a:endCxn id="80" idx="1"/>
           </p:cNvCxnSpPr>
           <p:nvPr/>
         </p:nvCxnSpPr>
         <p:spPr>
-          <a:xfrm flipV="1">
-            <a:off x="7277995" y="3030108"/>
-            <a:ext cx="434402" cy="4783"/>
-          </a:xfrm>
-          <a:prstGeom prst="bentConnector3">
-            <a:avLst/>
-          </a:prstGeom>
-          <a:ln w="19050">
-            <a:solidFill>
-              <a:srgbClr val="7030A0"/>
-            </a:solidFill>
-            <a:headEnd type="none" w="med" len="med"/>
-            <a:tailEnd type="arrow" w="med" len="med"/>
-          </a:ln>
-          <a:effectLst/>
-        </p:spPr>
-        <p:style>
-          <a:lnRef idx="1">
-            <a:schemeClr val="accent2"/>
-          </a:lnRef>
-          <a:fillRef idx="2">
-            <a:schemeClr val="accent2"/>
-          </a:fillRef>
-          <a:effectRef idx="1">
-            <a:schemeClr val="accent2"/>
-          </a:effectRef>
-          <a:fontRef idx="minor">
-            <a:schemeClr val="dk1"/>
-          </a:fontRef>
-        </p:style>
-      </p:cxnSp>
-      <p:sp>
-        <p:nvSpPr>
-          <p:cNvPr id="83" name="Rectangle 8"/>
-          <p:cNvSpPr/>
-          <p:nvPr/>
-        </p:nvSpPr>
-        <p:spPr>
           <a:xfrm>
-            <a:off x="7712397" y="3210194"/>
-            <a:ext cx="708186" cy="285783"/>
-          </a:xfrm>
-          <a:prstGeom prst="rect">
-            <a:avLst/>
-          </a:prstGeom>
-          <a:ln w="19050">
-            <a:solidFill>
-              <a:srgbClr val="7030A0"/>
-            </a:solidFill>
-          </a:ln>
-          <a:effectLst/>
-        </p:spPr>
-        <p:style>
-          <a:lnRef idx="1">
-            <a:schemeClr val="accent4"/>
-          </a:lnRef>
-          <a:fillRef idx="2">
-            <a:schemeClr val="accent4"/>
-          </a:fillRef>
-          <a:effectRef idx="1">
-            <a:schemeClr val="accent4"/>
-          </a:effectRef>
-          <a:fontRef idx="minor">
-            <a:schemeClr val="dk1"/>
-          </a:fontRef>
-        </p:style>
-        <p:txBody>
-          <a:bodyPr rtlCol="0" anchor="ctr"/>
-          <a:lstStyle/>
-          <a:p>
-            <a:pPr algn="ctr"/>
-            <a:r>
-              <a:rPr lang="en-US" sz="1050" dirty="0">
-                <a:solidFill>
-                  <a:srgbClr val="7030A0"/>
-                </a:solidFill>
-              </a:rPr>
-              <a:t>Email</a:t>
-            </a:r>
-            <a:endParaRPr lang="en-SG" sz="1050" dirty="0">
-              <a:solidFill>
-                <a:srgbClr val="7030A0"/>
-              </a:solidFill>
-            </a:endParaRPr>
-          </a:p>
-        </p:txBody>
-      </p:sp>
-      <p:cxnSp>
-        <p:nvCxnSpPr>
-          <p:cNvPr id="84" name="Elbow Connector 83"/>
-          <p:cNvCxnSpPr>
-            <a:stCxn id="78" idx="3"/>
-            <a:endCxn id="83" idx="1"/>
-          </p:cNvCxnSpPr>
-          <p:nvPr/>
-        </p:nvCxnSpPr>
-        <p:spPr>
-          <a:xfrm>
-            <a:off x="7277995" y="3034891"/>
-            <a:ext cx="434402" cy="318195"/>
-          </a:xfrm>
-          <a:prstGeom prst="bentConnector3">
-            <a:avLst/>
-          </a:prstGeom>
-          <a:ln w="19050">
-            <a:solidFill>
-              <a:srgbClr val="7030A0"/>
-            </a:solidFill>
-            <a:headEnd type="none" w="med" len="med"/>
-            <a:tailEnd type="arrow" w="med" len="med"/>
-          </a:ln>
-          <a:effectLst/>
-        </p:spPr>
-        <p:style>
-          <a:lnRef idx="1">
-            <a:schemeClr val="accent2"/>
-          </a:lnRef>
-          <a:fillRef idx="2">
-            <a:schemeClr val="accent2"/>
-          </a:fillRef>
-          <a:effectRef idx="1">
-            <a:schemeClr val="accent2"/>
-          </a:effectRef>
-          <a:fontRef idx="minor">
-            <a:schemeClr val="dk1"/>
-          </a:fontRef>
-        </p:style>
-      </p:cxnSp>
-      <p:sp>
-        <p:nvSpPr>
-          <p:cNvPr id="85" name="Rectangle 8"/>
-          <p:cNvSpPr/>
-          <p:nvPr/>
-        </p:nvSpPr>
-        <p:spPr>
-          <a:xfrm>
-            <a:off x="7712397" y="3533171"/>
-            <a:ext cx="708186" cy="285783"/>
-          </a:xfrm>
-          <a:prstGeom prst="rect">
-            <a:avLst/>
-          </a:prstGeom>
-          <a:ln w="19050">
-            <a:solidFill>
-              <a:srgbClr val="7030A0"/>
-            </a:solidFill>
-          </a:ln>
-          <a:effectLst/>
-        </p:spPr>
-        <p:style>
-          <a:lnRef idx="1">
-            <a:schemeClr val="accent4"/>
-          </a:lnRef>
-          <a:fillRef idx="2">
-            <a:schemeClr val="accent4"/>
-          </a:fillRef>
-          <a:effectRef idx="1">
-            <a:schemeClr val="accent4"/>
-          </a:effectRef>
-          <a:fontRef idx="minor">
-            <a:schemeClr val="dk1"/>
-          </a:fontRef>
-        </p:style>
-        <p:txBody>
-          <a:bodyPr rtlCol="0" anchor="ctr"/>
-          <a:lstStyle/>
-          <a:p>
-            <a:pPr algn="ctr"/>
-            <a:r>
-              <a:rPr lang="en-US" sz="1050" dirty="0">
-                <a:solidFill>
-                  <a:srgbClr val="7030A0"/>
-                </a:solidFill>
-              </a:rPr>
-              <a:t>Address</a:t>
-            </a:r>
-            <a:endParaRPr lang="en-SG" sz="1050" dirty="0">
-              <a:solidFill>
-                <a:srgbClr val="7030A0"/>
-              </a:solidFill>
-            </a:endParaRPr>
-          </a:p>
-        </p:txBody>
-      </p:sp>
-      <p:cxnSp>
-        <p:nvCxnSpPr>
-          <p:cNvPr id="86" name="Elbow Connector 85"/>
-          <p:cNvCxnSpPr>
-            <a:stCxn id="78" idx="3"/>
-            <a:endCxn id="85" idx="1"/>
-          </p:cNvCxnSpPr>
-          <p:nvPr/>
-        </p:nvCxnSpPr>
-        <p:spPr>
-          <a:xfrm>
-            <a:off x="7277995" y="3034891"/>
-            <a:ext cx="434402" cy="641172"/>
+            <a:off x="6532088" y="3027240"/>
+            <a:ext cx="434402" cy="270301"/>
           </a:xfrm>
           <a:prstGeom prst="bentConnector3">
             <a:avLst/>
@@ -4783,7 +4590,7 @@
         </p:nvCxnSpPr>
         <p:spPr>
           <a:xfrm rot="16200000" flipH="1">
-            <a:off x="3566454" y="2680653"/>
+            <a:off x="2820547" y="2673002"/>
             <a:ext cx="274076" cy="1"/>
           </a:xfrm>
           <a:prstGeom prst="bentConnector3">
@@ -4824,7 +4631,7 @@
         </p:nvSpPr>
         <p:spPr>
           <a:xfrm rot="10800000" flipV="1">
-            <a:off x="3562299" y="2386554"/>
+            <a:off x="2816392" y="2378903"/>
             <a:ext cx="282387" cy="157062"/>
           </a:xfrm>
           <a:prstGeom prst="triangle">
@@ -4862,7 +4669,7 @@
           <a:lstStyle/>
           <a:p>
             <a:pPr algn="ctr"/>
-            <a:endParaRPr lang="en-SG" sz="1050" b="1">
+            <a:endParaRPr lang="en-SG" sz="1050" b="1" dirty="0">
               <a:solidFill>
                 <a:srgbClr val="92D050"/>
               </a:solidFill>
@@ -4878,7 +4685,7 @@
         </p:nvSpPr>
         <p:spPr>
           <a:xfrm>
-            <a:off x="1260922" y="1998350"/>
+            <a:off x="515015" y="1990699"/>
             <a:ext cx="1443661" cy="364396"/>
           </a:xfrm>
           <a:prstGeom prst="rect">
@@ -4926,12 +4733,12 @@
               </a:rPr>
             </a:br>
             <a:r>
-              <a:rPr lang="en-US" sz="1050" dirty="0" err="1">
+              <a:rPr lang="en-US" sz="1050" dirty="0">
                 <a:solidFill>
                   <a:srgbClr val="7030A0"/>
                 </a:solidFill>
               </a:rPr>
-              <a:t>ReadOnlyAddressBook</a:t>
+              <a:t>ReadOnlyEPiggy</a:t>
             </a:r>
             <a:endParaRPr lang="en-SG" sz="1050" dirty="0">
               <a:solidFill>
@@ -4949,7 +4756,7 @@
         </p:nvSpPr>
         <p:spPr>
           <a:xfrm rot="16200000">
-            <a:off x="6362886" y="3586305"/>
+            <a:off x="5616979" y="3578654"/>
             <a:ext cx="881018" cy="261610"/>
           </a:xfrm>
           <a:prstGeom prst="rect">
@@ -4988,7 +4795,7 @@
         </p:nvSpPr>
         <p:spPr>
           <a:xfrm>
-            <a:off x="2057401" y="4239491"/>
+            <a:off x="1311494" y="4231840"/>
             <a:ext cx="1066800" cy="346760"/>
           </a:xfrm>
           <a:prstGeom prst="rect">
@@ -5029,14 +4836,14 @@
               <a:t>&lt;&lt;interface&gt;&gt;</a:t>
             </a:r>
             <a:br>
-              <a:rPr lang="en-US" sz="1050">
+              <a:rPr lang="en-US" sz="1050" dirty="0">
                 <a:solidFill>
                   <a:srgbClr val="7030A0"/>
                 </a:solidFill>
               </a:rPr>
             </a:br>
             <a:r>
-              <a:rPr lang="en-US" sz="1050" dirty="0" err="1">
+              <a:rPr lang="en-US" sz="1050" dirty="0">
                 <a:solidFill>
                   <a:srgbClr val="7030A0"/>
                 </a:solidFill>
@@ -5062,7 +4869,7 @@
         </p:nvCxnSpPr>
         <p:spPr>
           <a:xfrm rot="16200000" flipH="1">
-            <a:off x="1364475" y="3719944"/>
+            <a:off x="618568" y="3712293"/>
             <a:ext cx="831471" cy="554381"/>
           </a:xfrm>
           <a:prstGeom prst="bentConnector2">
@@ -5101,7 +4908,7 @@
         </p:nvSpPr>
         <p:spPr>
           <a:xfrm>
-            <a:off x="4429979" y="3111479"/>
+            <a:off x="3684072" y="3103828"/>
             <a:ext cx="189257" cy="178683"/>
           </a:xfrm>
           <a:prstGeom prst="rect">
@@ -5140,7 +4947,7 @@
         </p:nvSpPr>
         <p:spPr>
           <a:xfrm>
-            <a:off x="6135256" y="3097917"/>
+            <a:off x="5389349" y="3090266"/>
             <a:ext cx="189257" cy="178683"/>
           </a:xfrm>
           <a:prstGeom prst="rect">
@@ -5179,7 +4986,7 @@
         </p:nvSpPr>
         <p:spPr>
           <a:xfrm>
-            <a:off x="2573394" y="2756715"/>
+            <a:off x="1827487" y="2749064"/>
             <a:ext cx="170110" cy="137542"/>
           </a:xfrm>
           <a:prstGeom prst="rect">
@@ -5218,7 +5025,7 @@
         </p:nvSpPr>
         <p:spPr>
           <a:xfrm>
-            <a:off x="2630191" y="3667737"/>
+            <a:off x="1884284" y="3660086"/>
             <a:ext cx="189257" cy="178683"/>
           </a:xfrm>
           <a:prstGeom prst="rect">
@@ -5257,7 +5064,7 @@
         </p:nvSpPr>
         <p:spPr>
           <a:xfrm>
-            <a:off x="6449896" y="3204826"/>
+            <a:off x="5703989" y="3197175"/>
             <a:ext cx="189257" cy="178683"/>
           </a:xfrm>
           <a:prstGeom prst="rect">
@@ -5290,20 +5097,14 @@
       </p:sp>
       <p:sp>
         <p:nvSpPr>
-          <p:cNvPr id="52" name="Rectangle 8">
-            <a:extLst>
-              <a:ext uri="{FF2B5EF4-FFF2-40B4-BE49-F238E27FC236}">
-                <a16:creationId xmlns:a16="http://schemas.microsoft.com/office/drawing/2014/main" id="{ABDCDBD2-131A-4B66-A2F2-43BBEE82C773}"/>
-              </a:ext>
-            </a:extLst>
-          </p:cNvPr>
+          <p:cNvPr id="55" name="Rectangle 8"/>
           <p:cNvSpPr/>
           <p:nvPr/>
         </p:nvSpPr>
         <p:spPr>
           <a:xfrm>
-            <a:off x="7712397" y="2228817"/>
-            <a:ext cx="708186" cy="285783"/>
+            <a:off x="2424274" y="1990699"/>
+            <a:ext cx="1060683" cy="364396"/>
           </a:xfrm>
           <a:prstGeom prst="rect">
             <a:avLst/>
@@ -5340,7 +5141,7 @@
                   <a:srgbClr val="7030A0"/>
                 </a:solidFill>
               </a:rPr>
-              <a:t>Tag</a:t>
+              <a:t>EPiggy</a:t>
             </a:r>
             <a:endParaRPr lang="en-SG" sz="1050" dirty="0">
               <a:solidFill>
@@ -5352,29 +5153,20 @@
       </p:sp>
       <p:cxnSp>
         <p:nvCxnSpPr>
-          <p:cNvPr id="53" name="Elbow Connector 78">
-            <a:extLst>
-              <a:ext uri="{FF2B5EF4-FFF2-40B4-BE49-F238E27FC236}">
-                <a16:creationId xmlns:a16="http://schemas.microsoft.com/office/drawing/2014/main" id="{B97967F8-618A-448B-81FD-CDFD4AF0EC64}"/>
-              </a:ext>
-            </a:extLst>
-          </p:cNvPr>
+          <p:cNvPr id="60" name="Straight Arrow Connector 59"/>
           <p:cNvCxnSpPr>
-            <a:cxnSpLocks/>
-            <a:stCxn id="78" idx="3"/>
-            <a:endCxn id="52" idx="1"/>
+            <a:stCxn id="51" idx="1"/>
+            <a:endCxn id="49" idx="1"/>
           </p:cNvCxnSpPr>
           <p:nvPr/>
         </p:nvCxnSpPr>
         <p:spPr>
-          <a:xfrm flipV="1">
-            <a:off x="7277995" y="2371709"/>
-            <a:ext cx="434402" cy="663182"/>
-          </a:xfrm>
-          <a:prstGeom prst="bentConnector3">
-            <a:avLst>
-              <a:gd name="adj1" fmla="val 50000"/>
-            </a:avLst>
+          <a:xfrm>
+            <a:off x="3579065" y="2999571"/>
+            <a:ext cx="427389" cy="12320"/>
+          </a:xfrm>
+          <a:prstGeom prst="straightConnector1">
+            <a:avLst/>
           </a:prstGeom>
           <a:ln w="19050">
             <a:solidFill>
@@ -5402,155 +5194,13 @@
       </p:cxnSp>
       <p:sp>
         <p:nvSpPr>
-          <p:cNvPr id="50" name="TextBox 49">
-            <a:extLst>
-              <a:ext uri="{FF2B5EF4-FFF2-40B4-BE49-F238E27FC236}">
-                <a16:creationId xmlns:a16="http://schemas.microsoft.com/office/drawing/2014/main" id="{B3FA9D57-880F-49C4-AD0B-A64E30D6F403}"/>
-              </a:ext>
-            </a:extLst>
-          </p:cNvPr>
-          <p:cNvSpPr txBox="1"/>
-          <p:nvPr/>
-        </p:nvSpPr>
-        <p:spPr>
-          <a:xfrm>
-            <a:off x="7466243" y="2255711"/>
-            <a:ext cx="189257" cy="178683"/>
-          </a:xfrm>
-          <a:prstGeom prst="rect">
-            <a:avLst/>
-          </a:prstGeom>
-          <a:noFill/>
-        </p:spPr>
-        <p:txBody>
-          <a:bodyPr wrap="square" lIns="0" tIns="0" rIns="0" bIns="0" rtlCol="0">
-            <a:noAutofit/>
-          </a:bodyPr>
-          <a:lstStyle/>
-          <a:p>
-            <a:pPr algn="ctr"/>
-            <a:r>
-              <a:rPr lang="en-US" sz="1100" dirty="0">
-                <a:solidFill>
-                  <a:srgbClr val="7030A0"/>
-                </a:solidFill>
-              </a:rPr>
-              <a:t>*</a:t>
-            </a:r>
-            <a:endParaRPr lang="en-SG" sz="1100" dirty="0">
-              <a:solidFill>
-                <a:srgbClr val="7030A0"/>
-              </a:solidFill>
-            </a:endParaRPr>
-          </a:p>
-        </p:txBody>
-      </p:sp>
-      <p:sp>
-        <p:nvSpPr>
-          <p:cNvPr id="55" name="Rectangle 8"/>
-          <p:cNvSpPr/>
-          <p:nvPr/>
-        </p:nvSpPr>
-        <p:spPr>
-          <a:xfrm>
-            <a:off x="3170181" y="1998350"/>
-            <a:ext cx="1060683" cy="364396"/>
-          </a:xfrm>
-          <a:prstGeom prst="rect">
-            <a:avLst/>
-          </a:prstGeom>
-          <a:ln w="19050">
-            <a:solidFill>
-              <a:srgbClr val="7030A0"/>
-            </a:solidFill>
-          </a:ln>
-          <a:effectLst/>
-        </p:spPr>
-        <p:style>
-          <a:lnRef idx="1">
-            <a:schemeClr val="accent4"/>
-          </a:lnRef>
-          <a:fillRef idx="2">
-            <a:schemeClr val="accent4"/>
-          </a:fillRef>
-          <a:effectRef idx="1">
-            <a:schemeClr val="accent4"/>
-          </a:effectRef>
-          <a:fontRef idx="minor">
-            <a:schemeClr val="dk1"/>
-          </a:fontRef>
-        </p:style>
-        <p:txBody>
-          <a:bodyPr rtlCol="0" anchor="ctr"/>
-          <a:lstStyle/>
-          <a:p>
-            <a:pPr algn="ctr"/>
-            <a:r>
-              <a:rPr lang="en-US" sz="1050" dirty="0" err="1">
-                <a:solidFill>
-                  <a:srgbClr val="7030A0"/>
-                </a:solidFill>
-              </a:rPr>
-              <a:t>AddressBook</a:t>
-            </a:r>
-            <a:endParaRPr lang="en-SG" sz="1050" dirty="0">
-              <a:solidFill>
-                <a:srgbClr val="7030A0"/>
-              </a:solidFill>
-            </a:endParaRPr>
-          </a:p>
-        </p:txBody>
-      </p:sp>
-      <p:cxnSp>
-        <p:nvCxnSpPr>
-          <p:cNvPr id="60" name="Straight Arrow Connector 59"/>
-          <p:cNvCxnSpPr>
-            <a:stCxn id="51" idx="1"/>
-            <a:endCxn id="49" idx="1"/>
-          </p:cNvCxnSpPr>
-          <p:nvPr/>
-        </p:nvCxnSpPr>
-        <p:spPr>
-          <a:xfrm>
-            <a:off x="4324972" y="3007222"/>
-            <a:ext cx="367678" cy="12320"/>
-          </a:xfrm>
-          <a:prstGeom prst="straightConnector1">
-            <a:avLst/>
-          </a:prstGeom>
-          <a:ln w="19050">
-            <a:solidFill>
-              <a:srgbClr val="7030A0"/>
-            </a:solidFill>
-            <a:headEnd type="none" w="med" len="med"/>
-            <a:tailEnd type="arrow" w="med" len="med"/>
-          </a:ln>
-          <a:effectLst/>
-        </p:spPr>
-        <p:style>
-          <a:lnRef idx="1">
-            <a:schemeClr val="accent2"/>
-          </a:lnRef>
-          <a:fillRef idx="2">
-            <a:schemeClr val="accent2"/>
-          </a:fillRef>
-          <a:effectRef idx="1">
-            <a:schemeClr val="accent2"/>
-          </a:effectRef>
-          <a:fontRef idx="minor">
-            <a:schemeClr val="dk1"/>
-          </a:fontRef>
-        </p:style>
-      </p:cxnSp>
-      <p:sp>
-        <p:nvSpPr>
           <p:cNvPr id="68" name="Isosceles Triangle 102"/>
           <p:cNvSpPr/>
           <p:nvPr/>
         </p:nvSpPr>
         <p:spPr>
           <a:xfrm rot="16200000">
-            <a:off x="2669073" y="2069158"/>
+            <a:off x="1923166" y="2061507"/>
             <a:ext cx="271014" cy="187417"/>
           </a:xfrm>
           <a:prstGeom prst="triangle">
@@ -5590,7 +5240,7 @@
           <a:lstStyle/>
           <a:p>
             <a:pPr algn="ctr"/>
-            <a:endParaRPr lang="en-SG" sz="1050"/>
+            <a:endParaRPr lang="en-SG" sz="1050" dirty="0"/>
           </a:p>
         </p:txBody>
       </p:sp>
@@ -5605,7 +5255,7 @@
         </p:nvCxnSpPr>
         <p:spPr>
           <a:xfrm>
-            <a:off x="2898289" y="2177727"/>
+            <a:off x="2152382" y="2170076"/>
             <a:ext cx="271892" cy="2821"/>
           </a:xfrm>
           <a:prstGeom prst="bentConnector3">
@@ -5652,7 +5302,7 @@
         </p:nvSpPr>
         <p:spPr>
           <a:xfrm>
-            <a:off x="4238892" y="3460864"/>
+            <a:off x="3492985" y="3453213"/>
             <a:ext cx="1293486" cy="346760"/>
           </a:xfrm>
           <a:prstGeom prst="rect">
@@ -5696,7 +5346,7 @@
           <a:p>
             <a:pPr algn="ctr"/>
             <a:r>
-              <a:rPr lang="en-US" sz="1050" dirty="0" err="1">
+              <a:rPr lang="en-US" sz="1050" dirty="0">
                 <a:solidFill>
                   <a:srgbClr val="7030A0"/>
                 </a:solidFill>
@@ -5725,7 +5375,7 @@
         </p:nvSpPr>
         <p:spPr>
           <a:xfrm rot="5400000" flipH="1">
-            <a:off x="3992636" y="3514414"/>
+            <a:off x="3246729" y="3506763"/>
             <a:ext cx="271014" cy="221497"/>
           </a:xfrm>
           <a:prstGeom prst="triangle">
@@ -5765,7 +5415,7 @@
           <a:lstStyle/>
           <a:p>
             <a:pPr algn="ctr"/>
-            <a:endParaRPr lang="en-SG" sz="1050"/>
+            <a:endParaRPr lang="en-SG" sz="1050" dirty="0"/>
           </a:p>
         </p:txBody>
       </p:sp>
@@ -5787,7 +5437,7 @@
         </p:nvCxnSpPr>
         <p:spPr>
           <a:xfrm rot="10800000">
-            <a:off x="3703491" y="3636621"/>
+            <a:off x="2957584" y="3628970"/>
             <a:ext cx="313904" cy="3403"/>
           </a:xfrm>
           <a:prstGeom prst="bentConnector3">
@@ -5820,6 +5470,890 @@
           </a:fontRef>
         </p:style>
       </p:cxnSp>
+      <p:cxnSp>
+        <p:nvCxnSpPr>
+          <p:cNvPr id="56" name="Straight Connector 55">
+            <a:extLst>
+              <a:ext uri="{FF2B5EF4-FFF2-40B4-BE49-F238E27FC236}">
+                <a16:creationId xmlns:a16="http://schemas.microsoft.com/office/drawing/2014/main" id="{1FD5278E-D060-42D9-8452-EE6209FE352A}"/>
+              </a:ext>
+            </a:extLst>
+          </p:cNvPr>
+          <p:cNvCxnSpPr>
+            <a:cxnSpLocks/>
+          </p:cNvCxnSpPr>
+          <p:nvPr/>
+        </p:nvCxnSpPr>
+        <p:spPr>
+          <a:xfrm flipV="1">
+            <a:off x="3815113" y="2182935"/>
+            <a:ext cx="0" cy="832120"/>
+          </a:xfrm>
+          <a:prstGeom prst="line">
+            <a:avLst/>
+          </a:prstGeom>
+        </p:spPr>
+        <p:style>
+          <a:lnRef idx="1">
+            <a:schemeClr val="accent4"/>
+          </a:lnRef>
+          <a:fillRef idx="0">
+            <a:schemeClr val="accent4"/>
+          </a:fillRef>
+          <a:effectRef idx="0">
+            <a:schemeClr val="accent4"/>
+          </a:effectRef>
+          <a:fontRef idx="minor">
+            <a:schemeClr val="tx1"/>
+          </a:fontRef>
+        </p:style>
+      </p:cxnSp>
+      <p:sp>
+        <p:nvSpPr>
+          <p:cNvPr id="94" name="Rectangle 8">
+            <a:extLst>
+              <a:ext uri="{FF2B5EF4-FFF2-40B4-BE49-F238E27FC236}">
+                <a16:creationId xmlns:a16="http://schemas.microsoft.com/office/drawing/2014/main" id="{996536F1-4A9A-40E5-A099-F0ADCF98B4AC}"/>
+              </a:ext>
+            </a:extLst>
+          </p:cNvPr>
+          <p:cNvSpPr/>
+          <p:nvPr/>
+        </p:nvSpPr>
+        <p:spPr>
+          <a:xfrm>
+            <a:off x="4001701" y="1944168"/>
+            <a:ext cx="708186" cy="346760"/>
+          </a:xfrm>
+          <a:prstGeom prst="rect">
+            <a:avLst/>
+          </a:prstGeom>
+          <a:ln w="19050">
+            <a:solidFill>
+              <a:srgbClr val="7030A0"/>
+            </a:solidFill>
+          </a:ln>
+          <a:effectLst/>
+        </p:spPr>
+        <p:style>
+          <a:lnRef idx="1">
+            <a:schemeClr val="accent4"/>
+          </a:lnRef>
+          <a:fillRef idx="2">
+            <a:schemeClr val="accent4"/>
+          </a:fillRef>
+          <a:effectRef idx="1">
+            <a:schemeClr val="accent4"/>
+          </a:effectRef>
+          <a:fontRef idx="minor">
+            <a:schemeClr val="dk1"/>
+          </a:fontRef>
+        </p:style>
+        <p:txBody>
+          <a:bodyPr rtlCol="0" anchor="ctr"/>
+          <a:lstStyle/>
+          <a:p>
+            <a:pPr algn="ctr"/>
+            <a:r>
+              <a:rPr lang="en-US" sz="1050" dirty="0">
+                <a:solidFill>
+                  <a:srgbClr val="7030A0"/>
+                </a:solidFill>
+              </a:rPr>
+              <a:t>Goal</a:t>
+            </a:r>
+            <a:endParaRPr lang="en-SG" sz="1050" dirty="0">
+              <a:solidFill>
+                <a:srgbClr val="7030A0"/>
+              </a:solidFill>
+            </a:endParaRPr>
+          </a:p>
+        </p:txBody>
+      </p:sp>
+      <p:cxnSp>
+        <p:nvCxnSpPr>
+          <p:cNvPr id="98" name="Elbow Connector 63">
+            <a:extLst>
+              <a:ext uri="{FF2B5EF4-FFF2-40B4-BE49-F238E27FC236}">
+                <a16:creationId xmlns:a16="http://schemas.microsoft.com/office/drawing/2014/main" id="{E4B08F7B-240E-43D5-A7D1-46E49DBA3257}"/>
+              </a:ext>
+            </a:extLst>
+          </p:cNvPr>
+          <p:cNvCxnSpPr>
+            <a:cxnSpLocks/>
+          </p:cNvCxnSpPr>
+          <p:nvPr/>
+        </p:nvCxnSpPr>
+        <p:spPr>
+          <a:xfrm flipV="1">
+            <a:off x="3818945" y="2572426"/>
+            <a:ext cx="167640" cy="785"/>
+          </a:xfrm>
+          <a:prstGeom prst="bentConnector3">
+            <a:avLst>
+              <a:gd name="adj1" fmla="val 82727"/>
+            </a:avLst>
+          </a:prstGeom>
+          <a:ln w="19050">
+            <a:solidFill>
+              <a:srgbClr val="7030A0"/>
+            </a:solidFill>
+            <a:headEnd type="none" w="med" len="med"/>
+            <a:tailEnd type="arrow" w="med" len="med"/>
+          </a:ln>
+          <a:effectLst/>
+        </p:spPr>
+        <p:style>
+          <a:lnRef idx="1">
+            <a:schemeClr val="accent2"/>
+          </a:lnRef>
+          <a:fillRef idx="2">
+            <a:schemeClr val="accent2"/>
+          </a:fillRef>
+          <a:effectRef idx="1">
+            <a:schemeClr val="accent2"/>
+          </a:effectRef>
+          <a:fontRef idx="minor">
+            <a:schemeClr val="dk1"/>
+          </a:fontRef>
+        </p:style>
+      </p:cxnSp>
+      <p:cxnSp>
+        <p:nvCxnSpPr>
+          <p:cNvPr id="109" name="Elbow Connector 63">
+            <a:extLst>
+              <a:ext uri="{FF2B5EF4-FFF2-40B4-BE49-F238E27FC236}">
+                <a16:creationId xmlns:a16="http://schemas.microsoft.com/office/drawing/2014/main" id="{E5B32B6F-F195-43EE-99FA-3A64308C6A71}"/>
+              </a:ext>
+            </a:extLst>
+          </p:cNvPr>
+          <p:cNvCxnSpPr>
+            <a:cxnSpLocks/>
+          </p:cNvCxnSpPr>
+          <p:nvPr/>
+        </p:nvCxnSpPr>
+        <p:spPr>
+          <a:xfrm flipV="1">
+            <a:off x="3827372" y="2188342"/>
+            <a:ext cx="167640" cy="785"/>
+          </a:xfrm>
+          <a:prstGeom prst="bentConnector3">
+            <a:avLst>
+              <a:gd name="adj1" fmla="val 82727"/>
+            </a:avLst>
+          </a:prstGeom>
+          <a:ln w="19050">
+            <a:solidFill>
+              <a:srgbClr val="7030A0"/>
+            </a:solidFill>
+            <a:headEnd type="none" w="med" len="med"/>
+            <a:tailEnd type="arrow" w="med" len="med"/>
+          </a:ln>
+          <a:effectLst/>
+        </p:spPr>
+        <p:style>
+          <a:lnRef idx="1">
+            <a:schemeClr val="accent2"/>
+          </a:lnRef>
+          <a:fillRef idx="2">
+            <a:schemeClr val="accent2"/>
+          </a:fillRef>
+          <a:effectRef idx="1">
+            <a:schemeClr val="accent2"/>
+          </a:effectRef>
+          <a:fontRef idx="minor">
+            <a:schemeClr val="dk1"/>
+          </a:fontRef>
+        </p:style>
+      </p:cxnSp>
+      <p:sp>
+        <p:nvSpPr>
+          <p:cNvPr id="110" name="Rectangle 8">
+            <a:extLst>
+              <a:ext uri="{FF2B5EF4-FFF2-40B4-BE49-F238E27FC236}">
+                <a16:creationId xmlns:a16="http://schemas.microsoft.com/office/drawing/2014/main" id="{396FA59A-C798-4E6A-8666-5A4AE9EA5468}"/>
+              </a:ext>
+            </a:extLst>
+          </p:cNvPr>
+          <p:cNvSpPr/>
+          <p:nvPr/>
+        </p:nvSpPr>
+        <p:spPr>
+          <a:xfrm>
+            <a:off x="4006453" y="2369901"/>
+            <a:ext cx="1150963" cy="346760"/>
+          </a:xfrm>
+          <a:prstGeom prst="rect">
+            <a:avLst/>
+          </a:prstGeom>
+          <a:ln w="19050">
+            <a:solidFill>
+              <a:srgbClr val="7030A0"/>
+            </a:solidFill>
+          </a:ln>
+          <a:effectLst/>
+        </p:spPr>
+        <p:style>
+          <a:lnRef idx="1">
+            <a:schemeClr val="accent4"/>
+          </a:lnRef>
+          <a:fillRef idx="2">
+            <a:schemeClr val="accent4"/>
+          </a:fillRef>
+          <a:effectRef idx="1">
+            <a:schemeClr val="accent4"/>
+          </a:effectRef>
+          <a:fontRef idx="minor">
+            <a:schemeClr val="dk1"/>
+          </a:fontRef>
+        </p:style>
+        <p:txBody>
+          <a:bodyPr rtlCol="0" anchor="ctr"/>
+          <a:lstStyle/>
+          <a:p>
+            <a:pPr algn="ctr"/>
+            <a:r>
+              <a:rPr lang="en-US" sz="1050" dirty="0">
+                <a:solidFill>
+                  <a:srgbClr val="7030A0"/>
+                </a:solidFill>
+              </a:rPr>
+              <a:t>BudgetList</a:t>
+            </a:r>
+            <a:endParaRPr lang="en-SG" sz="1050" dirty="0">
+              <a:solidFill>
+                <a:srgbClr val="7030A0"/>
+              </a:solidFill>
+            </a:endParaRPr>
+          </a:p>
+        </p:txBody>
+      </p:sp>
+      <p:cxnSp>
+        <p:nvCxnSpPr>
+          <p:cNvPr id="111" name="Straight Arrow Connector 110">
+            <a:extLst>
+              <a:ext uri="{FF2B5EF4-FFF2-40B4-BE49-F238E27FC236}">
+                <a16:creationId xmlns:a16="http://schemas.microsoft.com/office/drawing/2014/main" id="{47101533-9060-498D-8775-E1B9A7AF4A7F}"/>
+              </a:ext>
+            </a:extLst>
+          </p:cNvPr>
+          <p:cNvCxnSpPr>
+            <a:cxnSpLocks/>
+          </p:cNvCxnSpPr>
+          <p:nvPr/>
+        </p:nvCxnSpPr>
+        <p:spPr>
+          <a:xfrm>
+            <a:off x="5371228" y="2510741"/>
+            <a:ext cx="184083" cy="1496"/>
+          </a:xfrm>
+          <a:prstGeom prst="straightConnector1">
+            <a:avLst/>
+          </a:prstGeom>
+          <a:ln w="19050">
+            <a:solidFill>
+              <a:srgbClr val="7030A0"/>
+            </a:solidFill>
+            <a:headEnd type="none" w="med" len="med"/>
+            <a:tailEnd type="arrow" w="med" len="med"/>
+          </a:ln>
+          <a:effectLst/>
+        </p:spPr>
+        <p:style>
+          <a:lnRef idx="1">
+            <a:schemeClr val="accent2"/>
+          </a:lnRef>
+          <a:fillRef idx="2">
+            <a:schemeClr val="accent2"/>
+          </a:fillRef>
+          <a:effectRef idx="1">
+            <a:schemeClr val="accent2"/>
+          </a:effectRef>
+          <a:fontRef idx="minor">
+            <a:schemeClr val="dk1"/>
+          </a:fontRef>
+        </p:style>
+      </p:cxnSp>
+      <p:sp>
+        <p:nvSpPr>
+          <p:cNvPr id="113" name="Flowchart: Decision 96">
+            <a:extLst>
+              <a:ext uri="{FF2B5EF4-FFF2-40B4-BE49-F238E27FC236}">
+                <a16:creationId xmlns:a16="http://schemas.microsoft.com/office/drawing/2014/main" id="{8CE04D52-9A27-46BC-BE72-6CEDE1EFB4C9}"/>
+              </a:ext>
+            </a:extLst>
+          </p:cNvPr>
+          <p:cNvSpPr/>
+          <p:nvPr/>
+        </p:nvSpPr>
+        <p:spPr>
+          <a:xfrm>
+            <a:off x="5157558" y="2431205"/>
+            <a:ext cx="236048" cy="173380"/>
+          </a:xfrm>
+          <a:prstGeom prst="flowChartDecision">
+            <a:avLst/>
+          </a:prstGeom>
+          <a:noFill/>
+          <a:ln w="19050">
+            <a:solidFill>
+              <a:srgbClr val="7030A0"/>
+            </a:solidFill>
+          </a:ln>
+          <a:effectLst/>
+        </p:spPr>
+        <p:style>
+          <a:lnRef idx="1">
+            <a:schemeClr val="accent6"/>
+          </a:lnRef>
+          <a:fillRef idx="2">
+            <a:schemeClr val="accent6"/>
+          </a:fillRef>
+          <a:effectRef idx="1">
+            <a:schemeClr val="accent6"/>
+          </a:effectRef>
+          <a:fontRef idx="minor">
+            <a:schemeClr val="dk1"/>
+          </a:fontRef>
+        </p:style>
+        <p:txBody>
+          <a:bodyPr rtlCol="0" anchor="ctr"/>
+          <a:lstStyle/>
+          <a:p>
+            <a:pPr algn="ctr"/>
+            <a:endParaRPr lang="en-US" sz="1050" dirty="0"/>
+          </a:p>
+        </p:txBody>
+      </p:sp>
+      <p:sp>
+        <p:nvSpPr>
+          <p:cNvPr id="116" name="Rectangle 8">
+            <a:extLst>
+              <a:ext uri="{FF2B5EF4-FFF2-40B4-BE49-F238E27FC236}">
+                <a16:creationId xmlns:a16="http://schemas.microsoft.com/office/drawing/2014/main" id="{EB7F30DF-2901-489A-91CD-7E798311A523}"/>
+              </a:ext>
+            </a:extLst>
+          </p:cNvPr>
+          <p:cNvSpPr/>
+          <p:nvPr/>
+        </p:nvSpPr>
+        <p:spPr>
+          <a:xfrm>
+            <a:off x="5554281" y="2330275"/>
+            <a:ext cx="708186" cy="346760"/>
+          </a:xfrm>
+          <a:prstGeom prst="rect">
+            <a:avLst/>
+          </a:prstGeom>
+          <a:ln w="19050">
+            <a:solidFill>
+              <a:srgbClr val="7030A0"/>
+            </a:solidFill>
+          </a:ln>
+          <a:effectLst/>
+        </p:spPr>
+        <p:style>
+          <a:lnRef idx="1">
+            <a:schemeClr val="accent4"/>
+          </a:lnRef>
+          <a:fillRef idx="2">
+            <a:schemeClr val="accent4"/>
+          </a:fillRef>
+          <a:effectRef idx="1">
+            <a:schemeClr val="accent4"/>
+          </a:effectRef>
+          <a:fontRef idx="minor">
+            <a:schemeClr val="dk1"/>
+          </a:fontRef>
+        </p:style>
+        <p:txBody>
+          <a:bodyPr rtlCol="0" anchor="ctr"/>
+          <a:lstStyle/>
+          <a:p>
+            <a:pPr algn="ctr"/>
+            <a:r>
+              <a:rPr lang="en-US" sz="1050" dirty="0">
+                <a:solidFill>
+                  <a:srgbClr val="7030A0"/>
+                </a:solidFill>
+              </a:rPr>
+              <a:t>Budget</a:t>
+            </a:r>
+            <a:endParaRPr lang="en-SG" sz="1050" dirty="0">
+              <a:solidFill>
+                <a:srgbClr val="7030A0"/>
+              </a:solidFill>
+            </a:endParaRPr>
+          </a:p>
+        </p:txBody>
+      </p:sp>
+      <p:sp>
+        <p:nvSpPr>
+          <p:cNvPr id="121" name="TextBox 120">
+            <a:extLst>
+              <a:ext uri="{FF2B5EF4-FFF2-40B4-BE49-F238E27FC236}">
+                <a16:creationId xmlns:a16="http://schemas.microsoft.com/office/drawing/2014/main" id="{90D667E4-E3A5-4C8D-A276-2841FAEF2C1C}"/>
+              </a:ext>
+            </a:extLst>
+          </p:cNvPr>
+          <p:cNvSpPr txBox="1"/>
+          <p:nvPr/>
+        </p:nvSpPr>
+        <p:spPr>
+          <a:xfrm>
+            <a:off x="5389349" y="2576731"/>
+            <a:ext cx="189257" cy="178683"/>
+          </a:xfrm>
+          <a:prstGeom prst="rect">
+            <a:avLst/>
+          </a:prstGeom>
+          <a:noFill/>
+        </p:spPr>
+        <p:txBody>
+          <a:bodyPr wrap="square" lIns="0" tIns="0" rIns="0" bIns="0" rtlCol="0">
+            <a:noAutofit/>
+          </a:bodyPr>
+          <a:lstStyle/>
+          <a:p>
+            <a:pPr algn="ctr"/>
+            <a:r>
+              <a:rPr lang="en-US" sz="1100" dirty="0">
+                <a:solidFill>
+                  <a:srgbClr val="7030A0"/>
+                </a:solidFill>
+              </a:rPr>
+              <a:t>*</a:t>
+            </a:r>
+            <a:endParaRPr lang="en-SG" sz="1100" dirty="0">
+              <a:solidFill>
+                <a:srgbClr val="7030A0"/>
+              </a:solidFill>
+            </a:endParaRPr>
+          </a:p>
+        </p:txBody>
+      </p:sp>
+      <p:sp>
+        <p:nvSpPr>
+          <p:cNvPr id="131" name="Rectangle 8">
+            <a:extLst>
+              <a:ext uri="{FF2B5EF4-FFF2-40B4-BE49-F238E27FC236}">
+                <a16:creationId xmlns:a16="http://schemas.microsoft.com/office/drawing/2014/main" id="{6A4B1259-4694-46BB-B7DA-0E3B24067EA6}"/>
+              </a:ext>
+            </a:extLst>
+          </p:cNvPr>
+          <p:cNvSpPr/>
+          <p:nvPr/>
+        </p:nvSpPr>
+        <p:spPr>
+          <a:xfrm>
+            <a:off x="8206787" y="2215929"/>
+            <a:ext cx="708186" cy="285783"/>
+          </a:xfrm>
+          <a:prstGeom prst="rect">
+            <a:avLst/>
+          </a:prstGeom>
+          <a:ln w="19050">
+            <a:solidFill>
+              <a:srgbClr val="7030A0"/>
+            </a:solidFill>
+          </a:ln>
+          <a:effectLst/>
+        </p:spPr>
+        <p:style>
+          <a:lnRef idx="1">
+            <a:schemeClr val="accent4"/>
+          </a:lnRef>
+          <a:fillRef idx="2">
+            <a:schemeClr val="accent4"/>
+          </a:fillRef>
+          <a:effectRef idx="1">
+            <a:schemeClr val="accent4"/>
+          </a:effectRef>
+          <a:fontRef idx="minor">
+            <a:schemeClr val="dk1"/>
+          </a:fontRef>
+        </p:style>
+        <p:txBody>
+          <a:bodyPr rtlCol="0" anchor="ctr"/>
+          <a:lstStyle/>
+          <a:p>
+            <a:pPr algn="ctr"/>
+            <a:r>
+              <a:rPr lang="en-US" sz="1050" dirty="0">
+                <a:solidFill>
+                  <a:srgbClr val="7030A0"/>
+                </a:solidFill>
+              </a:rPr>
+              <a:t>Name</a:t>
+            </a:r>
+            <a:endParaRPr lang="en-SG" sz="1050" dirty="0">
+              <a:solidFill>
+                <a:srgbClr val="7030A0"/>
+              </a:solidFill>
+            </a:endParaRPr>
+          </a:p>
+        </p:txBody>
+      </p:sp>
+      <p:cxnSp>
+        <p:nvCxnSpPr>
+          <p:cNvPr id="132" name="Elbow Connector 83">
+            <a:extLst>
+              <a:ext uri="{FF2B5EF4-FFF2-40B4-BE49-F238E27FC236}">
+                <a16:creationId xmlns:a16="http://schemas.microsoft.com/office/drawing/2014/main" id="{4B6E5EC2-E3E2-49E3-9DF3-D0BA31BE8C6A}"/>
+              </a:ext>
+            </a:extLst>
+          </p:cNvPr>
+          <p:cNvCxnSpPr>
+            <a:cxnSpLocks/>
+          </p:cNvCxnSpPr>
+          <p:nvPr/>
+        </p:nvCxnSpPr>
+        <p:spPr>
+          <a:xfrm flipV="1">
+            <a:off x="7819074" y="2700388"/>
+            <a:ext cx="386786" cy="4428"/>
+          </a:xfrm>
+          <a:prstGeom prst="bentConnector3">
+            <a:avLst/>
+          </a:prstGeom>
+          <a:ln w="19050">
+            <a:solidFill>
+              <a:srgbClr val="7030A0"/>
+            </a:solidFill>
+            <a:headEnd type="none" w="med" len="med"/>
+            <a:tailEnd type="arrow" w="med" len="med"/>
+          </a:ln>
+          <a:effectLst/>
+        </p:spPr>
+        <p:style>
+          <a:lnRef idx="1">
+            <a:schemeClr val="accent2"/>
+          </a:lnRef>
+          <a:fillRef idx="2">
+            <a:schemeClr val="accent2"/>
+          </a:fillRef>
+          <a:effectRef idx="1">
+            <a:schemeClr val="accent2"/>
+          </a:effectRef>
+          <a:fontRef idx="minor">
+            <a:schemeClr val="dk1"/>
+          </a:fontRef>
+        </p:style>
+      </p:cxnSp>
+      <p:sp>
+        <p:nvSpPr>
+          <p:cNvPr id="133" name="Rectangle 8">
+            <a:extLst>
+              <a:ext uri="{FF2B5EF4-FFF2-40B4-BE49-F238E27FC236}">
+                <a16:creationId xmlns:a16="http://schemas.microsoft.com/office/drawing/2014/main" id="{87ADC099-528F-4CB0-988C-E3F69760C557}"/>
+              </a:ext>
+            </a:extLst>
+          </p:cNvPr>
+          <p:cNvSpPr/>
+          <p:nvPr/>
+        </p:nvSpPr>
+        <p:spPr>
+          <a:xfrm>
+            <a:off x="8206787" y="2582581"/>
+            <a:ext cx="708186" cy="285783"/>
+          </a:xfrm>
+          <a:prstGeom prst="rect">
+            <a:avLst/>
+          </a:prstGeom>
+          <a:ln w="19050">
+            <a:solidFill>
+              <a:srgbClr val="7030A0"/>
+            </a:solidFill>
+          </a:ln>
+          <a:effectLst/>
+        </p:spPr>
+        <p:style>
+          <a:lnRef idx="1">
+            <a:schemeClr val="accent4"/>
+          </a:lnRef>
+          <a:fillRef idx="2">
+            <a:schemeClr val="accent4"/>
+          </a:fillRef>
+          <a:effectRef idx="1">
+            <a:schemeClr val="accent4"/>
+          </a:effectRef>
+          <a:fontRef idx="minor">
+            <a:schemeClr val="dk1"/>
+          </a:fontRef>
+        </p:style>
+        <p:txBody>
+          <a:bodyPr rtlCol="0" anchor="ctr"/>
+          <a:lstStyle/>
+          <a:p>
+            <a:pPr algn="ctr"/>
+            <a:r>
+              <a:rPr lang="en-US" sz="1050" dirty="0">
+                <a:solidFill>
+                  <a:srgbClr val="7030A0"/>
+                </a:solidFill>
+              </a:rPr>
+              <a:t>Cost</a:t>
+            </a:r>
+            <a:endParaRPr lang="en-SG" sz="1050" dirty="0">
+              <a:solidFill>
+                <a:srgbClr val="7030A0"/>
+              </a:solidFill>
+            </a:endParaRPr>
+          </a:p>
+        </p:txBody>
+      </p:sp>
+      <p:cxnSp>
+        <p:nvCxnSpPr>
+          <p:cNvPr id="134" name="Elbow Connector 85">
+            <a:extLst>
+              <a:ext uri="{FF2B5EF4-FFF2-40B4-BE49-F238E27FC236}">
+                <a16:creationId xmlns:a16="http://schemas.microsoft.com/office/drawing/2014/main" id="{1635177B-37E0-443B-AA5E-6496D00702B2}"/>
+              </a:ext>
+            </a:extLst>
+          </p:cNvPr>
+          <p:cNvCxnSpPr>
+            <a:cxnSpLocks/>
+          </p:cNvCxnSpPr>
+          <p:nvPr/>
+        </p:nvCxnSpPr>
+        <p:spPr>
+          <a:xfrm>
+            <a:off x="7772385" y="2707387"/>
+            <a:ext cx="439925" cy="319551"/>
+          </a:xfrm>
+          <a:prstGeom prst="bentConnector3">
+            <a:avLst/>
+          </a:prstGeom>
+          <a:ln w="19050">
+            <a:solidFill>
+              <a:srgbClr val="7030A0"/>
+            </a:solidFill>
+            <a:headEnd type="none" w="med" len="med"/>
+            <a:tailEnd type="arrow" w="med" len="med"/>
+          </a:ln>
+          <a:effectLst/>
+        </p:spPr>
+        <p:style>
+          <a:lnRef idx="1">
+            <a:schemeClr val="accent2"/>
+          </a:lnRef>
+          <a:fillRef idx="2">
+            <a:schemeClr val="accent2"/>
+          </a:fillRef>
+          <a:effectRef idx="1">
+            <a:schemeClr val="accent2"/>
+          </a:effectRef>
+          <a:fontRef idx="minor">
+            <a:schemeClr val="dk1"/>
+          </a:fontRef>
+        </p:style>
+      </p:cxnSp>
+      <p:sp>
+        <p:nvSpPr>
+          <p:cNvPr id="135" name="TextBox 134">
+            <a:extLst>
+              <a:ext uri="{FF2B5EF4-FFF2-40B4-BE49-F238E27FC236}">
+                <a16:creationId xmlns:a16="http://schemas.microsoft.com/office/drawing/2014/main" id="{F6AF4F50-3377-4B50-BAEE-A295BB061EDE}"/>
+              </a:ext>
+            </a:extLst>
+          </p:cNvPr>
+          <p:cNvSpPr txBox="1"/>
+          <p:nvPr/>
+        </p:nvSpPr>
+        <p:spPr>
+          <a:xfrm>
+            <a:off x="8002507" y="3065307"/>
+            <a:ext cx="189257" cy="178683"/>
+          </a:xfrm>
+          <a:prstGeom prst="rect">
+            <a:avLst/>
+          </a:prstGeom>
+          <a:noFill/>
+        </p:spPr>
+        <p:txBody>
+          <a:bodyPr wrap="square" lIns="0" tIns="0" rIns="0" bIns="0" rtlCol="0">
+            <a:noAutofit/>
+          </a:bodyPr>
+          <a:lstStyle/>
+          <a:p>
+            <a:pPr algn="ctr"/>
+            <a:r>
+              <a:rPr lang="en-US" sz="1100" dirty="0">
+                <a:solidFill>
+                  <a:srgbClr val="7030A0"/>
+                </a:solidFill>
+              </a:rPr>
+              <a:t>*</a:t>
+            </a:r>
+            <a:endParaRPr lang="en-SG" sz="1100" dirty="0">
+              <a:solidFill>
+                <a:srgbClr val="7030A0"/>
+              </a:solidFill>
+            </a:endParaRPr>
+          </a:p>
+        </p:txBody>
+      </p:sp>
+      <p:cxnSp>
+        <p:nvCxnSpPr>
+          <p:cNvPr id="136" name="Elbow Connector 78">
+            <a:extLst>
+              <a:ext uri="{FF2B5EF4-FFF2-40B4-BE49-F238E27FC236}">
+                <a16:creationId xmlns:a16="http://schemas.microsoft.com/office/drawing/2014/main" id="{C498243C-3866-44E3-8B9F-880275787A83}"/>
+              </a:ext>
+            </a:extLst>
+          </p:cNvPr>
+          <p:cNvCxnSpPr>
+            <a:cxnSpLocks/>
+          </p:cNvCxnSpPr>
+          <p:nvPr/>
+        </p:nvCxnSpPr>
+        <p:spPr>
+          <a:xfrm flipV="1">
+            <a:off x="7777908" y="2378266"/>
+            <a:ext cx="434402" cy="327761"/>
+          </a:xfrm>
+          <a:prstGeom prst="bentConnector3">
+            <a:avLst/>
+          </a:prstGeom>
+          <a:ln w="19050">
+            <a:solidFill>
+              <a:srgbClr val="7030A0"/>
+            </a:solidFill>
+            <a:headEnd type="none" w="med" len="med"/>
+            <a:tailEnd type="arrow" w="med" len="med"/>
+          </a:ln>
+          <a:effectLst/>
+        </p:spPr>
+        <p:style>
+          <a:lnRef idx="1">
+            <a:schemeClr val="accent2"/>
+          </a:lnRef>
+          <a:fillRef idx="2">
+            <a:schemeClr val="accent2"/>
+          </a:fillRef>
+          <a:effectRef idx="1">
+            <a:schemeClr val="accent2"/>
+          </a:effectRef>
+          <a:fontRef idx="minor">
+            <a:schemeClr val="dk1"/>
+          </a:fontRef>
+        </p:style>
+      </p:cxnSp>
+      <p:sp>
+        <p:nvSpPr>
+          <p:cNvPr id="137" name="Rectangle 8">
+            <a:extLst>
+              <a:ext uri="{FF2B5EF4-FFF2-40B4-BE49-F238E27FC236}">
+                <a16:creationId xmlns:a16="http://schemas.microsoft.com/office/drawing/2014/main" id="{3E556AEE-5B92-4115-BBD7-B0B57512CEF9}"/>
+              </a:ext>
+            </a:extLst>
+          </p:cNvPr>
+          <p:cNvSpPr/>
+          <p:nvPr/>
+        </p:nvSpPr>
+        <p:spPr>
+          <a:xfrm>
+            <a:off x="8206787" y="2949233"/>
+            <a:ext cx="708186" cy="285783"/>
+          </a:xfrm>
+          <a:prstGeom prst="rect">
+            <a:avLst/>
+          </a:prstGeom>
+          <a:ln w="19050">
+            <a:solidFill>
+              <a:srgbClr val="7030A0"/>
+            </a:solidFill>
+          </a:ln>
+          <a:effectLst/>
+        </p:spPr>
+        <p:style>
+          <a:lnRef idx="1">
+            <a:schemeClr val="accent4"/>
+          </a:lnRef>
+          <a:fillRef idx="2">
+            <a:schemeClr val="accent4"/>
+          </a:fillRef>
+          <a:effectRef idx="1">
+            <a:schemeClr val="accent4"/>
+          </a:effectRef>
+          <a:fontRef idx="minor">
+            <a:schemeClr val="dk1"/>
+          </a:fontRef>
+        </p:style>
+        <p:txBody>
+          <a:bodyPr rtlCol="0" anchor="ctr"/>
+          <a:lstStyle/>
+          <a:p>
+            <a:pPr algn="ctr"/>
+            <a:r>
+              <a:rPr lang="en-US" sz="1050" dirty="0">
+                <a:solidFill>
+                  <a:srgbClr val="7030A0"/>
+                </a:solidFill>
+              </a:rPr>
+              <a:t>Tag</a:t>
+            </a:r>
+            <a:endParaRPr lang="en-SG" sz="1050" dirty="0">
+              <a:solidFill>
+                <a:srgbClr val="7030A0"/>
+              </a:solidFill>
+            </a:endParaRPr>
+          </a:p>
+        </p:txBody>
+      </p:sp>
+      <p:sp>
+        <p:nvSpPr>
+          <p:cNvPr id="138" name="Flowchart: Decision 96">
+            <a:extLst>
+              <a:ext uri="{FF2B5EF4-FFF2-40B4-BE49-F238E27FC236}">
+                <a16:creationId xmlns:a16="http://schemas.microsoft.com/office/drawing/2014/main" id="{D1C29B15-2388-4902-9384-78608DB77715}"/>
+              </a:ext>
+            </a:extLst>
+          </p:cNvPr>
+          <p:cNvSpPr/>
+          <p:nvPr/>
+        </p:nvSpPr>
+        <p:spPr>
+          <a:xfrm>
+            <a:off x="7683924" y="2615912"/>
+            <a:ext cx="236048" cy="173380"/>
+          </a:xfrm>
+          <a:prstGeom prst="flowChartDecision">
+            <a:avLst/>
+          </a:prstGeom>
+          <a:solidFill>
+            <a:srgbClr val="7030A0"/>
+          </a:solidFill>
+          <a:ln w="19050">
+            <a:solidFill>
+              <a:srgbClr val="7030A0"/>
+            </a:solidFill>
+          </a:ln>
+          <a:effectLst/>
+        </p:spPr>
+        <p:style>
+          <a:lnRef idx="1">
+            <a:schemeClr val="accent6"/>
+          </a:lnRef>
+          <a:fillRef idx="2">
+            <a:schemeClr val="accent6"/>
+          </a:fillRef>
+          <a:effectRef idx="1">
+            <a:schemeClr val="accent6"/>
+          </a:effectRef>
+          <a:fontRef idx="minor">
+            <a:schemeClr val="dk1"/>
+          </a:fontRef>
+        </p:style>
+        <p:txBody>
+          <a:bodyPr rtlCol="0" anchor="ctr"/>
+          <a:lstStyle/>
+          <a:p>
+            <a:pPr algn="ctr"/>
+            <a:endParaRPr lang="en-US" sz="1050" dirty="0"/>
+          </a:p>
+        </p:txBody>
+      </p:sp>
     </p:spTree>
     <p:extLst>
       <p:ext uri="{BB962C8B-B14F-4D97-AF65-F5344CB8AC3E}">
